--- a/9. Presentation/AS_DeadlineTeam_Week8.pptx
+++ b/9. Presentation/AS_DeadlineTeam_Week8.pptx
@@ -3129,43 +3129,7 @@
                 <a:latin typeface="Arial" panose="020B0604020202020204" pitchFamily="34" charset="0"/>
                 <a:cs typeface="Arial" panose="020B0604020202020204" pitchFamily="34" charset="0"/>
               </a:rPr>
-              <a:t> </a:t>
-            </a:r>
-            <a:r>
-              <a:rPr lang="en-US" sz="2000" dirty="0" smtClean="0">
-                <a:solidFill>
-                  <a:schemeClr val="accent5">
-                    <a:lumMod val="50000"/>
-                  </a:schemeClr>
-                </a:solidFill>
-                <a:latin typeface="Arial" panose="020B0604020202020204" pitchFamily="34" charset="0"/>
-                <a:cs typeface="Arial" panose="020B0604020202020204" pitchFamily="34" charset="0"/>
-              </a:rPr>
-              <a:t>(</a:t>
-            </a:r>
-            <a:r>
-              <a:rPr lang="en-US" sz="2000" dirty="0" smtClean="0">
-                <a:solidFill>
-                  <a:schemeClr val="accent5">
-                    <a:lumMod val="50000"/>
-                  </a:schemeClr>
-                </a:solidFill>
-                <a:latin typeface="Arial" panose="020B0604020202020204" pitchFamily="34" charset="0"/>
-                <a:cs typeface="Arial" panose="020B0604020202020204" pitchFamily="34" charset="0"/>
-              </a:rPr>
-              <a:t>19/12/2013-25/12/2013</a:t>
-            </a:r>
-            <a:r>
-              <a:rPr lang="en-US" sz="2000" dirty="0" smtClean="0">
-                <a:solidFill>
-                  <a:schemeClr val="accent5">
-                    <a:lumMod val="50000"/>
-                  </a:schemeClr>
-                </a:solidFill>
-                <a:latin typeface="Arial" panose="020B0604020202020204" pitchFamily="34" charset="0"/>
-                <a:cs typeface="Arial" panose="020B0604020202020204" pitchFamily="34" charset="0"/>
-              </a:rPr>
-              <a:t>)</a:t>
+              <a:t> (19/12/2013-25/12/2013)</a:t>
             </a:r>
           </a:p>
           <a:p>
@@ -4045,7 +4009,6 @@
               <a:rPr lang="en-US" dirty="0" smtClean="0"/>
               <a:t> description</a:t>
             </a:r>
-            <a:endParaRPr lang="en-US" dirty="0" smtClean="0"/>
           </a:p>
         </p:txBody>
       </p:sp>
@@ -4099,7 +4062,7 @@
         </p:nvSpPr>
         <p:spPr>
           <a:xfrm>
-            <a:off x="1876667" y="3015210"/>
+            <a:off x="1876667" y="3098335"/>
             <a:ext cx="4701863" cy="369332"/>
           </a:xfrm>
           <a:prstGeom prst="rect">
@@ -4150,9 +4113,8 @@
             </a:pPr>
             <a:r>
               <a:rPr lang="en-US" dirty="0" smtClean="0"/>
-              <a:t>.</a:t>
-            </a:r>
-            <a:endParaRPr lang="en-US" dirty="0" smtClean="0"/>
+              <a:t>Update architectural drivers specification.</a:t>
+            </a:r>
           </a:p>
         </p:txBody>
       </p:sp>
@@ -4185,7 +4147,6 @@
               <a:rPr lang="en-US" dirty="0" smtClean="0"/>
               <a:t>Measure effort of members</a:t>
             </a:r>
-            <a:endParaRPr lang="en-US" dirty="0" smtClean="0"/>
           </a:p>
         </p:txBody>
       </p:sp>
@@ -4683,8 +4644,8 @@
         </p:nvSpPr>
         <p:spPr>
           <a:xfrm>
-            <a:off x="1685969" y="1995264"/>
-            <a:ext cx="7983418" cy="3416320"/>
+            <a:off x="1549400" y="2315898"/>
+            <a:ext cx="7983418" cy="2862322"/>
           </a:xfrm>
           <a:prstGeom prst="rect">
             <a:avLst/>
@@ -4701,29 +4662,18 @@
               <a:buChar char="q"/>
             </a:pPr>
             <a:r>
+              <a:rPr lang="en-US" dirty="0" smtClean="0"/>
+              <a:t>Continue </a:t>
+            </a:r>
+            <a:r>
               <a:rPr lang="en-US" dirty="0"/>
-              <a:t>Continues update and analyze </a:t>
-            </a:r>
-            <a:br>
+              <a:t>update entity, quality attribute, use case</a:t>
+            </a:r>
+            <a:r>
               <a:rPr lang="en-US" dirty="0"/>
-            </a:br>
-            <a:r>
-              <a:rPr lang="en-US" dirty="0"/>
-              <a:t>+ Quality attributes scenarios</a:t>
-            </a:r>
-            <a:br>
-              <a:rPr lang="en-US" dirty="0"/>
-            </a:br>
-            <a:r>
-              <a:rPr lang="en-US" dirty="0"/>
-              <a:t>+ Technical/business constraints </a:t>
-            </a:r>
-            <a:endParaRPr lang="en-US" dirty="0">
-              <a:solidFill>
-                <a:srgbClr val="000000"/>
-              </a:solidFill>
-              <a:latin typeface="Times New Roman" panose="02020603050405020304" pitchFamily="18" charset="0"/>
-            </a:endParaRPr>
+              <a:t> </a:t>
+            </a:r>
+            <a:endParaRPr lang="en-US" dirty="0" smtClean="0"/>
           </a:p>
           <a:p>
             <a:pPr marL="285750" indent="-285750">
@@ -4732,12 +4682,13 @@
             </a:pPr>
             <a:r>
               <a:rPr lang="en-US" dirty="0"/>
-              <a:t>Review Architectural Drivers Specification with team </a:t>
-            </a:r>
-            <a:r>
-              <a:rPr lang="en-US" dirty="0" smtClean="0"/>
-              <a:t>members</a:t>
-            </a:r>
+              <a:t>Continue training spring in java</a:t>
+            </a:r>
+            <a:r>
+              <a:rPr lang="en-US" dirty="0"/>
+              <a:t> </a:t>
+            </a:r>
+            <a:endParaRPr lang="en-US" dirty="0" smtClean="0"/>
           </a:p>
           <a:p>
             <a:pPr marL="285750" indent="-285750">
@@ -4745,26 +4696,32 @@
               <a:buChar char="q"/>
             </a:pPr>
             <a:r>
+              <a:rPr lang="en-US" dirty="0" smtClean="0"/>
+              <a:t>Research </a:t>
+            </a:r>
+            <a:r>
               <a:rPr lang="en-US" dirty="0"/>
-              <a:t>Meeting with customer #5</a:t>
-            </a:r>
-            <a:br>
+              <a:t>some </a:t>
+            </a:r>
+            <a:r>
+              <a:rPr lang="en-US" dirty="0" smtClean="0"/>
+              <a:t>methods </a:t>
+            </a:r>
+            <a:r>
+              <a:rPr lang="en-US" dirty="0" err="1"/>
+              <a:t>suport</a:t>
+            </a:r>
+            <a:r>
               <a:rPr lang="en-US" dirty="0"/>
-            </a:br>
-            <a:r>
-              <a:rPr lang="en-US" dirty="0"/>
-              <a:t>+ Review Quality attribute and constraints</a:t>
-            </a:r>
-            <a:br>
-              <a:rPr lang="en-US" dirty="0"/>
-            </a:br>
-            <a:r>
-              <a:rPr lang="en-US" dirty="0"/>
-              <a:t>+ Define </a:t>
+              <a:t> in project such as Web services, </a:t>
+            </a:r>
+            <a:r>
+              <a:rPr lang="en-US" dirty="0" err="1" smtClean="0"/>
+              <a:t>lucenxe</a:t>
             </a:r>
             <a:r>
               <a:rPr lang="en-US" dirty="0" smtClean="0"/>
-              <a:t>prioritization.</a:t>
+              <a:t>.</a:t>
             </a:r>
           </a:p>
           <a:p>
@@ -4773,16 +4730,20 @@
               <a:buChar char="q"/>
             </a:pPr>
             <a:r>
+              <a:rPr lang="en-US" dirty="0"/>
+              <a:t>Priority </a:t>
+            </a:r>
+            <a:r>
+              <a:rPr lang="en-US" dirty="0" err="1"/>
+              <a:t>arhictecturals</a:t>
+            </a:r>
+            <a:r>
+              <a:rPr lang="en-US" dirty="0"/>
+              <a:t> </a:t>
+            </a:r>
+            <a:r>
               <a:rPr lang="en-US" dirty="0" smtClean="0"/>
-              <a:t>Transfer </a:t>
-            </a:r>
-            <a:r>
-              <a:rPr lang="en-US" dirty="0"/>
-              <a:t>requirement relevant documents to English </a:t>
-            </a:r>
-            <a:r>
-              <a:rPr lang="en-US" dirty="0" smtClean="0"/>
-              <a:t>version.</a:t>
+              <a:t>drivers.</a:t>
             </a:r>
           </a:p>
           <a:p>
@@ -4792,20 +4753,12 @@
             </a:pPr>
             <a:r>
               <a:rPr lang="en-US" dirty="0"/>
-              <a:t>Update whole architectural drivers specification document &lt; send file validation </a:t>
-            </a:r>
-            <a:br>
-              <a:rPr lang="en-US" dirty="0"/>
-            </a:br>
-            <a:r>
-              <a:rPr lang="en-US" dirty="0"/>
-              <a:t>from customer +stakeholder </a:t>
+              <a:t>Establish Project Scope</a:t>
             </a:r>
             <a:r>
               <a:rPr lang="en-US" dirty="0" smtClean="0"/>
-              <a:t>priority&gt;customer .</a:t>
-            </a:r>
-            <a:endParaRPr lang="en-US" dirty="0"/>
+              <a:t>.</a:t>
+            </a:r>
           </a:p>
           <a:p>
             <a:pPr marL="285750" indent="-285750">
@@ -4814,11 +4767,11 @@
             </a:pPr>
             <a:r>
               <a:rPr lang="en-US" dirty="0"/>
-              <a:t>Establish Project Scope</a:t>
+              <a:t>Review Architectural Drivers Specification with team </a:t>
             </a:r>
             <a:r>
               <a:rPr lang="en-US" dirty="0" smtClean="0"/>
-              <a:t>.</a:t>
+              <a:t>members.</a:t>
             </a:r>
           </a:p>
           <a:p>
@@ -4828,12 +4781,23 @@
             </a:pPr>
             <a:r>
               <a:rPr lang="en-US" dirty="0"/>
-              <a:t>Review customer, mentor &amp; closed architecture drivers </a:t>
-            </a:r>
-            <a:r>
-              <a:rPr lang="en-US" dirty="0" smtClean="0"/>
-              <a:t>specification.</a:t>
-            </a:r>
+              <a:t>Review with mentor requirement documents and shows architecture phase plan				</a:t>
+            </a:r>
+            <a:endParaRPr lang="en-US" dirty="0"/>
+          </a:p>
+          <a:p>
+            <a:pPr marL="285750" indent="-285750">
+              <a:buFont typeface="Wingdings" panose="05000000000000000000" pitchFamily="2" charset="2"/>
+              <a:buChar char="q"/>
+            </a:pPr>
+            <a:endParaRPr lang="en-US" dirty="0" smtClean="0"/>
+          </a:p>
+          <a:p>
+            <a:pPr marL="285750" indent="-285750">
+              <a:buFont typeface="Wingdings" panose="05000000000000000000" pitchFamily="2" charset="2"/>
+              <a:buChar char="q"/>
+            </a:pPr>
+            <a:endParaRPr lang="en-US" dirty="0" smtClean="0"/>
           </a:p>
         </p:txBody>
       </p:sp>
